--- a/mj_presentation_slides.pptx
+++ b/mj_presentation_slides.pptx
@@ -107,6 +107,11 @@
       </a:defRPr>
     </a:lvl9pPr>
   </p:defaultTextStyle>
+  <p:extLst>
+    <p:ext uri="{EFAFB233-063F-42B5-8137-9DF3F51BA10A}">
+      <p15:sldGuideLst xmlns:p15="http://schemas.microsoft.com/office/powerpoint/2012/main"/>
+    </p:ext>
+  </p:extLst>
 </p:presentation>
 </file>
 
@@ -257,7 +262,7 @@
           <a:p>
             <a:fld id="{9037A879-651B-4F27-B764-620BDDBC402E}" type="datetimeFigureOut">
               <a:rPr lang="en-US" smtClean="0"/>
-              <a:t>2/2/2022</a:t>
+              <a:t>2/3/2022</a:t>
             </a:fld>
             <a:endParaRPr lang="en-US"/>
           </a:p>
@@ -455,7 +460,7 @@
           <a:p>
             <a:fld id="{9037A879-651B-4F27-B764-620BDDBC402E}" type="datetimeFigureOut">
               <a:rPr lang="en-US" smtClean="0"/>
-              <a:t>2/2/2022</a:t>
+              <a:t>2/3/2022</a:t>
             </a:fld>
             <a:endParaRPr lang="en-US"/>
           </a:p>
@@ -663,7 +668,7 @@
           <a:p>
             <a:fld id="{9037A879-651B-4F27-B764-620BDDBC402E}" type="datetimeFigureOut">
               <a:rPr lang="en-US" smtClean="0"/>
-              <a:t>2/2/2022</a:t>
+              <a:t>2/3/2022</a:t>
             </a:fld>
             <a:endParaRPr lang="en-US"/>
           </a:p>
@@ -861,7 +866,7 @@
           <a:p>
             <a:fld id="{9037A879-651B-4F27-B764-620BDDBC402E}" type="datetimeFigureOut">
               <a:rPr lang="en-US" smtClean="0"/>
-              <a:t>2/2/2022</a:t>
+              <a:t>2/3/2022</a:t>
             </a:fld>
             <a:endParaRPr lang="en-US"/>
           </a:p>
@@ -1136,7 +1141,7 @@
           <a:p>
             <a:fld id="{9037A879-651B-4F27-B764-620BDDBC402E}" type="datetimeFigureOut">
               <a:rPr lang="en-US" smtClean="0"/>
-              <a:t>2/2/2022</a:t>
+              <a:t>2/3/2022</a:t>
             </a:fld>
             <a:endParaRPr lang="en-US"/>
           </a:p>
@@ -1401,7 +1406,7 @@
           <a:p>
             <a:fld id="{9037A879-651B-4F27-B764-620BDDBC402E}" type="datetimeFigureOut">
               <a:rPr lang="en-US" smtClean="0"/>
-              <a:t>2/2/2022</a:t>
+              <a:t>2/3/2022</a:t>
             </a:fld>
             <a:endParaRPr lang="en-US"/>
           </a:p>
@@ -1813,7 +1818,7 @@
           <a:p>
             <a:fld id="{9037A879-651B-4F27-B764-620BDDBC402E}" type="datetimeFigureOut">
               <a:rPr lang="en-US" smtClean="0"/>
-              <a:t>2/2/2022</a:t>
+              <a:t>2/3/2022</a:t>
             </a:fld>
             <a:endParaRPr lang="en-US"/>
           </a:p>
@@ -1954,7 +1959,7 @@
           <a:p>
             <a:fld id="{9037A879-651B-4F27-B764-620BDDBC402E}" type="datetimeFigureOut">
               <a:rPr lang="en-US" smtClean="0"/>
-              <a:t>2/2/2022</a:t>
+              <a:t>2/3/2022</a:t>
             </a:fld>
             <a:endParaRPr lang="en-US"/>
           </a:p>
@@ -2067,7 +2072,7 @@
           <a:p>
             <a:fld id="{9037A879-651B-4F27-B764-620BDDBC402E}" type="datetimeFigureOut">
               <a:rPr lang="en-US" smtClean="0"/>
-              <a:t>2/2/2022</a:t>
+              <a:t>2/3/2022</a:t>
             </a:fld>
             <a:endParaRPr lang="en-US"/>
           </a:p>
@@ -2378,7 +2383,7 @@
           <a:p>
             <a:fld id="{9037A879-651B-4F27-B764-620BDDBC402E}" type="datetimeFigureOut">
               <a:rPr lang="en-US" smtClean="0"/>
-              <a:t>2/2/2022</a:t>
+              <a:t>2/3/2022</a:t>
             </a:fld>
             <a:endParaRPr lang="en-US"/>
           </a:p>
@@ -2666,7 +2671,7 @@
           <a:p>
             <a:fld id="{9037A879-651B-4F27-B764-620BDDBC402E}" type="datetimeFigureOut">
               <a:rPr lang="en-US" smtClean="0"/>
-              <a:t>2/2/2022</a:t>
+              <a:t>2/3/2022</a:t>
             </a:fld>
             <a:endParaRPr lang="en-US"/>
           </a:p>
@@ -2907,7 +2912,7 @@
           <a:p>
             <a:fld id="{9037A879-651B-4F27-B764-620BDDBC402E}" type="datetimeFigureOut">
               <a:rPr lang="en-US" smtClean="0"/>
-              <a:t>2/2/2022</a:t>
+              <a:t>2/3/2022</a:t>
             </a:fld>
             <a:endParaRPr lang="en-US"/>
           </a:p>
@@ -3492,7 +3497,7 @@
         </p:blipFill>
         <p:spPr>
           <a:xfrm>
-            <a:off x="641180" y="1726102"/>
+            <a:off x="632291" y="2455775"/>
             <a:ext cx="5129784" cy="3419856"/>
           </a:xfrm>
           <a:prstGeom prst="rect">
@@ -3593,7 +3598,7 @@
         </p:blipFill>
         <p:spPr>
           <a:xfrm>
-            <a:off x="6421034" y="1719072"/>
+            <a:off x="6412145" y="2448745"/>
             <a:ext cx="5129784" cy="3419856"/>
           </a:xfrm>
           <a:prstGeom prst="rect">
@@ -3601,6 +3606,102 @@
           </a:prstGeom>
         </p:spPr>
       </p:pic>
+      <p:sp>
+        <p:nvSpPr>
+          <p:cNvPr id="2" name="Rectangle 1">
+            <a:extLst>
+              <a:ext uri="{FF2B5EF4-FFF2-40B4-BE49-F238E27FC236}">
+                <a16:creationId xmlns:a16="http://schemas.microsoft.com/office/drawing/2014/main" id="{FBA48AEC-92A2-4BFB-B6EE-33E1A09C06D2}"/>
+              </a:ext>
+            </a:extLst>
+          </p:cNvPr>
+          <p:cNvSpPr/>
+          <p:nvPr/>
+        </p:nvSpPr>
+        <p:spPr>
+          <a:xfrm>
+            <a:off x="914735" y="1106516"/>
+            <a:ext cx="4564895" cy="707886"/>
+          </a:xfrm>
+          <a:prstGeom prst="rect">
+            <a:avLst/>
+          </a:prstGeom>
+          <a:noFill/>
+        </p:spPr>
+        <p:txBody>
+          <a:bodyPr wrap="square" lIns="91440" tIns="45720" rIns="91440" bIns="45720">
+            <a:spAutoFit/>
+          </a:bodyPr>
+          <a:lstStyle/>
+          <a:p>
+            <a:pPr algn="ctr"/>
+            <a:r>
+              <a:rPr lang="en-US" sz="2000" b="0" cap="none" spc="0" dirty="0">
+                <a:ln w="0"/>
+                <a:solidFill>
+                  <a:schemeClr val="tx1"/>
+                </a:solidFill>
+                <a:effectLst>
+                  <a:outerShdw blurRad="38100" dist="19050" dir="2700000" algn="tl" rotWithShape="0">
+                    <a:schemeClr val="dk1">
+                      <a:alpha val="40000"/>
+                    </a:schemeClr>
+                  </a:outerShdw>
+                </a:effectLst>
+              </a:rPr>
+              <a:t>First rounders average 48 wins at a cost of $1.5M per “W”</a:t>
+            </a:r>
+          </a:p>
+        </p:txBody>
+      </p:sp>
+      <p:sp>
+        <p:nvSpPr>
+          <p:cNvPr id="3" name="Rectangle 2">
+            <a:extLst>
+              <a:ext uri="{FF2B5EF4-FFF2-40B4-BE49-F238E27FC236}">
+                <a16:creationId xmlns:a16="http://schemas.microsoft.com/office/drawing/2014/main" id="{E1840D2F-7C64-4DB0-8B32-5D6C0DD68964}"/>
+              </a:ext>
+            </a:extLst>
+          </p:cNvPr>
+          <p:cNvSpPr/>
+          <p:nvPr/>
+        </p:nvSpPr>
+        <p:spPr>
+          <a:xfrm>
+            <a:off x="7297076" y="1106516"/>
+            <a:ext cx="3359921" cy="707886"/>
+          </a:xfrm>
+          <a:prstGeom prst="rect">
+            <a:avLst/>
+          </a:prstGeom>
+          <a:noFill/>
+        </p:spPr>
+        <p:txBody>
+          <a:bodyPr wrap="square" lIns="91440" tIns="45720" rIns="91440" bIns="45720">
+            <a:spAutoFit/>
+          </a:bodyPr>
+          <a:lstStyle/>
+          <a:p>
+            <a:pPr algn="ctr"/>
+            <a:r>
+              <a:rPr lang="en-US" sz="2000" b="0" cap="none" spc="0" dirty="0">
+                <a:ln w="0"/>
+                <a:solidFill>
+                  <a:schemeClr val="tx1"/>
+                </a:solidFill>
+                <a:effectLst>
+                  <a:outerShdw blurRad="38100" dist="19050" dir="2700000" algn="tl" rotWithShape="0">
+                    <a:schemeClr val="dk1">
+                      <a:alpha val="40000"/>
+                    </a:schemeClr>
+                  </a:outerShdw>
+                </a:effectLst>
+              </a:rPr>
+              <a:t>…and approximately 88 games started at $800K/game </a:t>
+            </a:r>
+          </a:p>
+        </p:txBody>
+      </p:sp>
     </p:spTree>
     <p:extLst>
       <p:ext uri="{BB962C8B-B14F-4D97-AF65-F5344CB8AC3E}">
@@ -3668,14 +3769,77 @@
         </p:blipFill>
         <p:spPr>
           <a:xfrm>
-            <a:off x="1350021" y="643466"/>
-            <a:ext cx="9491957" cy="5571067"/>
+            <a:off x="130822" y="877454"/>
+            <a:ext cx="7858359" cy="4612267"/>
           </a:xfrm>
           <a:prstGeom prst="rect">
             <a:avLst/>
           </a:prstGeom>
         </p:spPr>
       </p:pic>
+      <p:sp>
+        <p:nvSpPr>
+          <p:cNvPr id="2" name="Rectangle 1">
+            <a:extLst>
+              <a:ext uri="{FF2B5EF4-FFF2-40B4-BE49-F238E27FC236}">
+                <a16:creationId xmlns:a16="http://schemas.microsoft.com/office/drawing/2014/main" id="{B0053696-A4F4-446F-A3C1-7DFE926B2831}"/>
+              </a:ext>
+            </a:extLst>
+          </p:cNvPr>
+          <p:cNvSpPr/>
+          <p:nvPr/>
+        </p:nvSpPr>
+        <p:spPr>
+          <a:xfrm>
+            <a:off x="8415461" y="1991393"/>
+            <a:ext cx="3320560" cy="1938992"/>
+          </a:xfrm>
+          <a:prstGeom prst="rect">
+            <a:avLst/>
+          </a:prstGeom>
+          <a:noFill/>
+          <a:ln w="19050">
+            <a:solidFill>
+              <a:schemeClr val="tx1"/>
+            </a:solidFill>
+          </a:ln>
+        </p:spPr>
+        <p:txBody>
+          <a:bodyPr wrap="square" lIns="91440" tIns="45720" rIns="91440" bIns="45720">
+            <a:spAutoFit/>
+          </a:bodyPr>
+          <a:lstStyle/>
+          <a:p>
+            <a:pPr algn="ctr"/>
+            <a:r>
+              <a:rPr lang="en-US" sz="4000" dirty="0">
+                <a:ln w="0"/>
+                <a:effectLst>
+                  <a:outerShdw blurRad="38100" dist="19050" dir="2700000" algn="tl" rotWithShape="0">
+                    <a:schemeClr val="dk1">
+                      <a:alpha val="40000"/>
+                    </a:schemeClr>
+                  </a:outerShdw>
+                </a:effectLst>
+              </a:rPr>
+              <a:t>Do outliers make things more clear?</a:t>
+            </a:r>
+            <a:endParaRPr lang="en-US" sz="4000" b="0" cap="none" spc="0" dirty="0">
+              <a:ln w="0"/>
+              <a:solidFill>
+                <a:schemeClr val="tx1"/>
+              </a:solidFill>
+              <a:effectLst>
+                <a:outerShdw blurRad="38100" dist="19050" dir="2700000" algn="tl" rotWithShape="0">
+                  <a:schemeClr val="dk1">
+                    <a:alpha val="40000"/>
+                  </a:schemeClr>
+                </a:outerShdw>
+              </a:effectLst>
+            </a:endParaRPr>
+          </a:p>
+        </p:txBody>
+      </p:sp>
     </p:spTree>
     <p:extLst>
       <p:ext uri="{BB962C8B-B14F-4D97-AF65-F5344CB8AC3E}">
@@ -3716,10 +3880,10 @@
       </p:grpSpPr>
       <p:sp>
         <p:nvSpPr>
-          <p:cNvPr id="21" name="Rectangle 20">
-            <a:extLst>
-              <a:ext uri="{FF2B5EF4-FFF2-40B4-BE49-F238E27FC236}">
-                <a16:creationId xmlns:a16="http://schemas.microsoft.com/office/drawing/2014/main" id="{664E23E2-7440-4E36-A67B-0F88C5F7E185}"/>
+          <p:cNvPr id="30" name="Rectangle 29">
+            <a:extLst>
+              <a:ext uri="{FF2B5EF4-FFF2-40B4-BE49-F238E27FC236}">
+                <a16:creationId xmlns:a16="http://schemas.microsoft.com/office/drawing/2014/main" id="{A9F529C3-C941-49FD-8C67-82F134F64BDB}"/>
               </a:ext>
               <a:ext uri="{C183D7F6-B498-43B3-948B-1728B52AA6E4}">
                 <adec:decorative xmlns:adec="http://schemas.microsoft.com/office/drawing/2017/decorative" val="1"/>
@@ -3783,10 +3947,10 @@
       </p:sp>
       <p:sp>
         <p:nvSpPr>
-          <p:cNvPr id="23" name="Rectangle 22">
-            <a:extLst>
-              <a:ext uri="{FF2B5EF4-FFF2-40B4-BE49-F238E27FC236}">
-                <a16:creationId xmlns:a16="http://schemas.microsoft.com/office/drawing/2014/main" id="{B06949AE-010D-4C18-8AED-7872085ADD57}"/>
+          <p:cNvPr id="32" name="Rectangle 31">
+            <a:extLst>
+              <a:ext uri="{FF2B5EF4-FFF2-40B4-BE49-F238E27FC236}">
+                <a16:creationId xmlns:a16="http://schemas.microsoft.com/office/drawing/2014/main" id="{20586029-32A0-47E5-9AEC-AE3ABA6B94D0}"/>
               </a:ext>
               <a:ext uri="{C183D7F6-B498-43B3-948B-1728B52AA6E4}">
                 <adec:decorative xmlns:adec="http://schemas.microsoft.com/office/drawing/2017/decorative" val="1"/>
@@ -3806,8 +3970,8 @@
         </p:nvSpPr>
         <p:spPr>
           <a:xfrm>
-            <a:off x="477012" y="487090"/>
-            <a:ext cx="5458121" cy="5897880"/>
+            <a:off x="477012" y="480060"/>
+            <a:ext cx="11237976" cy="5897880"/>
           </a:xfrm>
           <a:prstGeom prst="rect">
             <a:avLst/>
@@ -3815,11 +3979,16 @@
           <a:solidFill>
             <a:srgbClr val="FFFFFF"/>
           </a:solidFill>
-          <a:ln w="19050">
-            <a:solidFill>
-              <a:srgbClr val="FFA100"/>
-            </a:solidFill>
+          <a:ln w="9525">
+            <a:noFill/>
           </a:ln>
+          <a:effectLst>
+            <a:outerShdw blurRad="63500" dist="17780" dir="5400000" algn="t" rotWithShape="0">
+              <a:prstClr val="black">
+                <a:alpha val="43000"/>
+              </a:prstClr>
+            </a:outerShdw>
+          </a:effectLst>
         </p:spPr>
         <p:style>
           <a:lnRef idx="2">
@@ -3848,10 +4017,10 @@
       </p:sp>
       <p:pic>
         <p:nvPicPr>
-          <p:cNvPr id="7" name="Picture 6" descr="Chart, bar chart&#10;&#10;Description automatically generated">
-            <a:extLst>
-              <a:ext uri="{FF2B5EF4-FFF2-40B4-BE49-F238E27FC236}">
-                <a16:creationId xmlns:a16="http://schemas.microsoft.com/office/drawing/2014/main" id="{B98F86AA-2396-4702-AC1E-DDA7BD266E52}"/>
+          <p:cNvPr id="3" name="Picture 2" descr="Chart, bar chart&#10;&#10;Description automatically generated">
+            <a:extLst>
+              <a:ext uri="{FF2B5EF4-FFF2-40B4-BE49-F238E27FC236}">
+                <a16:creationId xmlns:a16="http://schemas.microsoft.com/office/drawing/2014/main" id="{E9A41931-941C-4D55-9302-529CF73EFDBA}"/>
               </a:ext>
             </a:extLst>
           </p:cNvPr>
@@ -3874,29 +4043,29 @@
         </p:blipFill>
         <p:spPr>
           <a:xfrm>
-            <a:off x="641180" y="1726102"/>
-            <a:ext cx="5129784" cy="3419856"/>
+            <a:off x="5931536" y="2131413"/>
+            <a:ext cx="5294716" cy="3529810"/>
           </a:xfrm>
           <a:prstGeom prst="rect">
             <a:avLst/>
           </a:prstGeom>
         </p:spPr>
       </p:pic>
-      <p:sp>
-        <p:nvSpPr>
-          <p:cNvPr id="25" name="Rectangle 24">
-            <a:extLst>
-              <a:ext uri="{FF2B5EF4-FFF2-40B4-BE49-F238E27FC236}">
-                <a16:creationId xmlns:a16="http://schemas.microsoft.com/office/drawing/2014/main" id="{FE54AADB-50C7-4293-94C0-27361A32B8CF}"/>
+      <p:cxnSp>
+        <p:nvCxnSpPr>
+          <p:cNvPr id="34" name="Straight Connector 33">
+            <a:extLst>
+              <a:ext uri="{FF2B5EF4-FFF2-40B4-BE49-F238E27FC236}">
+                <a16:creationId xmlns:a16="http://schemas.microsoft.com/office/drawing/2014/main" id="{8C730EAB-A532-4295-A302-FB4B90DB9F5E}"/>
               </a:ext>
               <a:ext uri="{C183D7F6-B498-43B3-948B-1728B52AA6E4}">
                 <adec:decorative xmlns:adec="http://schemas.microsoft.com/office/drawing/2017/decorative" val="1"/>
               </a:ext>
             </a:extLst>
           </p:cNvPr>
-          <p:cNvSpPr>
-            <a:spLocks noGrp="1" noRot="1" noChangeAspect="1" noMove="1" noResize="1" noEditPoints="1" noAdjustHandles="1" noChangeArrowheads="1" noChangeShapeType="1" noTextEdit="1"/>
-          </p:cNvSpPr>
+          <p:cNvCxnSpPr>
+            <a:cxnSpLocks noGrp="1" noRot="1" noChangeAspect="1" noMove="1" noResize="1" noEditPoints="1" noAdjustHandles="1" noChangeArrowheads="1" noChangeShapeType="1"/>
+          </p:cNvCxnSpPr>
           <p:nvPr>
             <p:extLst>
               <p:ext uri="{386F3935-93C4-4BCD-93E2-E3B085C9AB24}">
@@ -3904,55 +4073,42 @@
               </p:ext>
             </p:extLst>
           </p:nvPr>
-        </p:nvSpPr>
+        </p:nvCxnSpPr>
         <p:spPr>
           <a:xfrm>
-            <a:off x="6256866" y="480060"/>
-            <a:ext cx="5458121" cy="5897880"/>
+            <a:off x="6079958" y="1143000"/>
+            <a:ext cx="0" cy="4572000"/>
           </a:xfrm>
-          <a:prstGeom prst="rect">
+          <a:prstGeom prst="line">
             <a:avLst/>
           </a:prstGeom>
-          <a:solidFill>
-            <a:srgbClr val="FFFFFF"/>
-          </a:solidFill>
-          <a:ln w="19050">
+          <a:ln>
             <a:solidFill>
-              <a:srgbClr val="FFA100"/>
+              <a:srgbClr val="4E4E4E"/>
             </a:solidFill>
           </a:ln>
         </p:spPr>
         <p:style>
-          <a:lnRef idx="2">
-            <a:schemeClr val="accent1">
-              <a:shade val="50000"/>
-            </a:schemeClr>
+          <a:lnRef idx="1">
+            <a:schemeClr val="accent1"/>
           </a:lnRef>
-          <a:fillRef idx="1">
+          <a:fillRef idx="0">
             <a:schemeClr val="accent1"/>
           </a:fillRef>
           <a:effectRef idx="0">
             <a:schemeClr val="accent1"/>
           </a:effectRef>
           <a:fontRef idx="minor">
-            <a:schemeClr val="lt1"/>
+            <a:schemeClr val="tx1"/>
           </a:fontRef>
         </p:style>
-        <p:txBody>
-          <a:bodyPr rtlCol="0" anchor="ctr"/>
-          <a:lstStyle/>
-          <a:p>
-            <a:pPr algn="ctr"/>
-            <a:endParaRPr lang="en-US"/>
-          </a:p>
-        </p:txBody>
-      </p:sp>
+      </p:cxnSp>
       <p:pic>
         <p:nvPicPr>
-          <p:cNvPr id="5" name="Picture 4" descr="Chart, bar chart&#10;&#10;Description automatically generated">
-            <a:extLst>
-              <a:ext uri="{FF2B5EF4-FFF2-40B4-BE49-F238E27FC236}">
-                <a16:creationId xmlns:a16="http://schemas.microsoft.com/office/drawing/2014/main" id="{DB1E71E0-43F6-43FE-AE20-342A1EACE9C2}"/>
+          <p:cNvPr id="6" name="Picture 5" descr="Chart, bar chart&#10;&#10;Description automatically generated">
+            <a:extLst>
+              <a:ext uri="{FF2B5EF4-FFF2-40B4-BE49-F238E27FC236}">
+                <a16:creationId xmlns:a16="http://schemas.microsoft.com/office/drawing/2014/main" id="{E7611307-3AE1-48FF-9FBB-56FFA8619E2E}"/>
               </a:ext>
             </a:extLst>
           </p:cNvPr>
@@ -3975,14 +4131,81 @@
         </p:blipFill>
         <p:spPr>
           <a:xfrm>
-            <a:off x="6421034" y="1719072"/>
-            <a:ext cx="5129784" cy="3419856"/>
+            <a:off x="546737" y="2131413"/>
+            <a:ext cx="5294715" cy="3529810"/>
           </a:xfrm>
           <a:prstGeom prst="rect">
             <a:avLst/>
           </a:prstGeom>
         </p:spPr>
       </p:pic>
+      <p:sp>
+        <p:nvSpPr>
+          <p:cNvPr id="8" name="Rectangle 7">
+            <a:extLst>
+              <a:ext uri="{FF2B5EF4-FFF2-40B4-BE49-F238E27FC236}">
+                <a16:creationId xmlns:a16="http://schemas.microsoft.com/office/drawing/2014/main" id="{FEAAF6BA-0621-4B5F-AC01-27741E669C91}"/>
+              </a:ext>
+            </a:extLst>
+          </p:cNvPr>
+          <p:cNvSpPr/>
+          <p:nvPr/>
+        </p:nvSpPr>
+        <p:spPr>
+          <a:xfrm>
+            <a:off x="3316032" y="706810"/>
+            <a:ext cx="5873980" cy="1292662"/>
+          </a:xfrm>
+          <a:prstGeom prst="rect">
+            <a:avLst/>
+          </a:prstGeom>
+          <a:noFill/>
+        </p:spPr>
+        <p:txBody>
+          <a:bodyPr wrap="none" lIns="91440" tIns="45720" rIns="91440" bIns="45720">
+            <a:spAutoFit/>
+          </a:bodyPr>
+          <a:lstStyle/>
+          <a:p>
+            <a:pPr algn="ctr"/>
+            <a:r>
+              <a:rPr lang="en-US" sz="5400" b="0" cap="none" spc="0" dirty="0">
+                <a:ln w="0"/>
+                <a:solidFill>
+                  <a:schemeClr val="tx1"/>
+                </a:solidFill>
+                <a:effectLst>
+                  <a:outerShdw blurRad="38100" dist="19050" dir="2700000" algn="tl" rotWithShape="0">
+                    <a:schemeClr val="dk1">
+                      <a:alpha val="40000"/>
+                    </a:schemeClr>
+                  </a:outerShdw>
+                </a:effectLst>
+              </a:rPr>
+              <a:t>Without “The Goat”</a:t>
+            </a:r>
+          </a:p>
+          <a:p>
+            <a:pPr algn="ctr"/>
+            <a:r>
+              <a:rPr lang="en-US" sz="2400" b="0" cap="none" spc="0" dirty="0">
+                <a:ln w="0"/>
+                <a:solidFill>
+                  <a:schemeClr val="tx1"/>
+                </a:solidFill>
+                <a:effectLst>
+                  <a:outerShdw blurRad="38100" dist="19050" dir="2700000" algn="tl" rotWithShape="0">
+                    <a:schemeClr val="dk1">
+                      <a:alpha val="40000"/>
+                    </a:schemeClr>
+                  </a:outerShdw>
+                </a:effectLst>
+              </a:rPr>
+              <a:t>(and his two outlier buddies)</a:t>
+            </a:r>
+          </a:p>
+        </p:txBody>
+      </p:sp>
     </p:spTree>
     <p:extLst>
       <p:ext uri="{BB962C8B-B14F-4D97-AF65-F5344CB8AC3E}">
